--- a/第10章 初识Spring MVC框架.pptx
+++ b/第10章 初识Spring MVC框架.pptx
@@ -227,7 +227,7 @@
           <a:p>
             <a:fld id="{5F0E150F-0196-F444-8870-EA447953DA30}" type="datetimeFigureOut">
               <a:rPr kumimoji="1" lang="zh-CN" altLang="en-US" smtClean="0"/>
-              <a:t>2022/5/3</a:t>
+              <a:t>2022/5/8</a:t>
             </a:fld>
             <a:endParaRPr kumimoji="1" lang="zh-CN" altLang="en-US"/>
           </a:p>
@@ -2807,7 +2807,7 @@
           <a:p>
             <a:fld id="{E9E9AA9A-B51B-0C44-B12C-1AC238BD9F7C}" type="datetimeFigureOut">
               <a:rPr kumimoji="1" lang="zh-CN" altLang="en-US" smtClean="0"/>
-              <a:t>2022/5/3</a:t>
+              <a:t>2022/5/8</a:t>
             </a:fld>
             <a:endParaRPr kumimoji="1" lang="zh-CN" altLang="en-US"/>
           </a:p>
@@ -2970,7 +2970,7 @@
           <a:p>
             <a:fld id="{E9E9AA9A-B51B-0C44-B12C-1AC238BD9F7C}" type="datetimeFigureOut">
               <a:rPr kumimoji="1" lang="zh-CN" altLang="en-US" smtClean="0"/>
-              <a:t>2022/5/3</a:t>
+              <a:t>2022/5/8</a:t>
             </a:fld>
             <a:endParaRPr kumimoji="1" lang="zh-CN" altLang="en-US"/>
           </a:p>
@@ -3143,7 +3143,7 @@
           <a:p>
             <a:fld id="{E9E9AA9A-B51B-0C44-B12C-1AC238BD9F7C}" type="datetimeFigureOut">
               <a:rPr kumimoji="1" lang="zh-CN" altLang="en-US" smtClean="0"/>
-              <a:t>2022/5/3</a:t>
+              <a:t>2022/5/8</a:t>
             </a:fld>
             <a:endParaRPr kumimoji="1" lang="zh-CN" altLang="en-US"/>
           </a:p>
@@ -18201,7 +18201,7 @@
           <a:p>
             <a:fld id="{E9E9AA9A-B51B-0C44-B12C-1AC238BD9F7C}" type="datetimeFigureOut">
               <a:rPr kumimoji="1" lang="zh-CN" altLang="en-US" smtClean="0"/>
-              <a:t>2022/5/3</a:t>
+              <a:t>2022/5/8</a:t>
             </a:fld>
             <a:endParaRPr kumimoji="1" lang="zh-CN" altLang="en-US"/>
           </a:p>
@@ -18441,7 +18441,7 @@
           <a:p>
             <a:fld id="{E9E9AA9A-B51B-0C44-B12C-1AC238BD9F7C}" type="datetimeFigureOut">
               <a:rPr kumimoji="1" lang="zh-CN" altLang="en-US" smtClean="0"/>
-              <a:t>2022/5/3</a:t>
+              <a:t>2022/5/8</a:t>
             </a:fld>
             <a:endParaRPr kumimoji="1" lang="zh-CN" altLang="en-US"/>
           </a:p>
@@ -18665,7 +18665,7 @@
           <a:p>
             <a:fld id="{E9E9AA9A-B51B-0C44-B12C-1AC238BD9F7C}" type="datetimeFigureOut">
               <a:rPr kumimoji="1" lang="zh-CN" altLang="en-US" smtClean="0"/>
-              <a:t>2022/5/3</a:t>
+              <a:t>2022/5/8</a:t>
             </a:fld>
             <a:endParaRPr kumimoji="1" lang="zh-CN" altLang="en-US"/>
           </a:p>
@@ -19024,7 +19024,7 @@
           <a:p>
             <a:fld id="{E9E9AA9A-B51B-0C44-B12C-1AC238BD9F7C}" type="datetimeFigureOut">
               <a:rPr kumimoji="1" lang="zh-CN" altLang="en-US" smtClean="0"/>
-              <a:t>2022/5/3</a:t>
+              <a:t>2022/5/8</a:t>
             </a:fld>
             <a:endParaRPr kumimoji="1" lang="zh-CN" altLang="en-US"/>
           </a:p>
@@ -19136,7 +19136,7 @@
           <a:p>
             <a:fld id="{E9E9AA9A-B51B-0C44-B12C-1AC238BD9F7C}" type="datetimeFigureOut">
               <a:rPr kumimoji="1" lang="zh-CN" altLang="en-US" smtClean="0"/>
-              <a:t>2022/5/3</a:t>
+              <a:t>2022/5/8</a:t>
             </a:fld>
             <a:endParaRPr kumimoji="1" lang="zh-CN" altLang="en-US"/>
           </a:p>
@@ -19226,7 +19226,7 @@
           <a:p>
             <a:fld id="{E9E9AA9A-B51B-0C44-B12C-1AC238BD9F7C}" type="datetimeFigureOut">
               <a:rPr kumimoji="1" lang="zh-CN" altLang="en-US" smtClean="0"/>
-              <a:t>2022/5/3</a:t>
+              <a:t>2022/5/8</a:t>
             </a:fld>
             <a:endParaRPr kumimoji="1" lang="zh-CN" altLang="en-US"/>
           </a:p>
@@ -19496,7 +19496,7 @@
           <a:p>
             <a:fld id="{E9E9AA9A-B51B-0C44-B12C-1AC238BD9F7C}" type="datetimeFigureOut">
               <a:rPr kumimoji="1" lang="zh-CN" altLang="en-US" smtClean="0"/>
-              <a:t>2022/5/3</a:t>
+              <a:t>2022/5/8</a:t>
             </a:fld>
             <a:endParaRPr kumimoji="1" lang="zh-CN" altLang="en-US"/>
           </a:p>
@@ -19743,7 +19743,7 @@
           <a:p>
             <a:fld id="{E9E9AA9A-B51B-0C44-B12C-1AC238BD9F7C}" type="datetimeFigureOut">
               <a:rPr kumimoji="1" lang="zh-CN" altLang="en-US" smtClean="0"/>
-              <a:t>2022/5/3</a:t>
+              <a:t>2022/5/8</a:t>
             </a:fld>
             <a:endParaRPr kumimoji="1" lang="zh-CN" altLang="en-US"/>
           </a:p>
@@ -19949,7 +19949,7 @@
           <a:p>
             <a:fld id="{E9E9AA9A-B51B-0C44-B12C-1AC238BD9F7C}" type="datetimeFigureOut">
               <a:rPr kumimoji="1" lang="zh-CN" altLang="en-US" smtClean="0"/>
-              <a:t>2022/5/3</a:t>
+              <a:t>2022/5/8</a:t>
             </a:fld>
             <a:endParaRPr kumimoji="1" lang="zh-CN" altLang="en-US"/>
           </a:p>
@@ -25070,22 +25070,7 @@
                 <a:ea typeface="JetBrains Mono"/>
                 <a:cs typeface="宋体" pitchFamily="2" charset="-122"/>
               </a:rPr>
-              <a:t>表示项目</a:t>
-            </a:r>
-            <a:r>
-              <a:rPr kumimoji="0" lang="zh-CN" altLang="en-US" sz="1600" b="0" i="0" u="none" strike="noStrike" cap="none" normalizeH="0" baseline="0" dirty="0" smtClean="0">
-                <a:ln>
-                  <a:noFill/>
-                </a:ln>
-                <a:solidFill>
-                  <a:srgbClr val="808080"/>
-                </a:solidFill>
-                <a:effectLst/>
-                <a:latin typeface="Arial Unicode MS" pitchFamily="34" charset="-122"/>
-                <a:ea typeface="JetBrains Mono"/>
-                <a:cs typeface="宋体" pitchFamily="2" charset="-122"/>
-              </a:rPr>
-              <a:t>启动时立即</a:t>
+              <a:t>表示项目启动时立即</a:t>
             </a:r>
             <a:r>
               <a:rPr kumimoji="0" lang="zh-CN" altLang="zh-CN" sz="1600" b="0" i="0" u="none" strike="noStrike" cap="none" normalizeH="0" baseline="0" dirty="0" smtClean="0">
@@ -27754,6 +27739,270 @@
           </a:p>
         </p:txBody>
       </p:sp>
+      <p:sp>
+        <p:nvSpPr>
+          <p:cNvPr id="7" name="矩形 6"/>
+          <p:cNvSpPr>
+            <a:spLocks noChangeArrowheads="1"/>
+          </p:cNvSpPr>
+          <p:nvPr/>
+        </p:nvSpPr>
+        <p:spPr bwMode="auto">
+          <a:xfrm>
+            <a:off x="2564524" y="3169710"/>
+            <a:ext cx="8818179" cy="1338828"/>
+          </a:xfrm>
+          <a:prstGeom prst="rect">
+            <a:avLst/>
+          </a:prstGeom>
+          <a:solidFill>
+            <a:schemeClr val="bg1">
+              <a:lumMod val="95000"/>
+            </a:schemeClr>
+          </a:solidFill>
+          <a:ln>
+            <a:noFill/>
+          </a:ln>
+        </p:spPr>
+        <p:txBody>
+          <a:bodyPr wrap="square">
+            <a:spAutoFit/>
+          </a:bodyPr>
+          <a:lstStyle>
+            <a:lvl1pPr>
+              <a:defRPr>
+                <a:solidFill>
+                  <a:schemeClr val="tx1"/>
+                </a:solidFill>
+                <a:latin typeface="Arial" pitchFamily="34" charset="0"/>
+                <a:ea typeface="宋体" pitchFamily="2" charset="-122"/>
+              </a:defRPr>
+            </a:lvl1pPr>
+            <a:lvl2pPr marL="742950" indent="-285750">
+              <a:defRPr>
+                <a:solidFill>
+                  <a:schemeClr val="tx1"/>
+                </a:solidFill>
+                <a:latin typeface="Arial" pitchFamily="34" charset="0"/>
+                <a:ea typeface="宋体" pitchFamily="2" charset="-122"/>
+              </a:defRPr>
+            </a:lvl2pPr>
+            <a:lvl3pPr marL="1143000" indent="-228600">
+              <a:defRPr>
+                <a:solidFill>
+                  <a:schemeClr val="tx1"/>
+                </a:solidFill>
+                <a:latin typeface="Arial" pitchFamily="34" charset="0"/>
+                <a:ea typeface="宋体" pitchFamily="2" charset="-122"/>
+              </a:defRPr>
+            </a:lvl3pPr>
+            <a:lvl4pPr marL="1600200" indent="-228600">
+              <a:defRPr>
+                <a:solidFill>
+                  <a:schemeClr val="tx1"/>
+                </a:solidFill>
+                <a:latin typeface="Arial" pitchFamily="34" charset="0"/>
+                <a:ea typeface="宋体" pitchFamily="2" charset="-122"/>
+              </a:defRPr>
+            </a:lvl4pPr>
+            <a:lvl5pPr marL="2057400" indent="-228600">
+              <a:defRPr>
+                <a:solidFill>
+                  <a:schemeClr val="tx1"/>
+                </a:solidFill>
+                <a:latin typeface="Arial" pitchFamily="34" charset="0"/>
+                <a:ea typeface="宋体" pitchFamily="2" charset="-122"/>
+              </a:defRPr>
+            </a:lvl5pPr>
+            <a:lvl6pPr marL="2514600" indent="-228600" eaLnBrk="0" fontAlgn="base" hangingPunct="0">
+              <a:spcBef>
+                <a:spcPct val="0"/>
+              </a:spcBef>
+              <a:spcAft>
+                <a:spcPct val="0"/>
+              </a:spcAft>
+              <a:defRPr>
+                <a:solidFill>
+                  <a:schemeClr val="tx1"/>
+                </a:solidFill>
+                <a:latin typeface="Arial" pitchFamily="34" charset="0"/>
+                <a:ea typeface="宋体" pitchFamily="2" charset="-122"/>
+              </a:defRPr>
+            </a:lvl6pPr>
+            <a:lvl7pPr marL="2971800" indent="-228600" eaLnBrk="0" fontAlgn="base" hangingPunct="0">
+              <a:spcBef>
+                <a:spcPct val="0"/>
+              </a:spcBef>
+              <a:spcAft>
+                <a:spcPct val="0"/>
+              </a:spcAft>
+              <a:defRPr>
+                <a:solidFill>
+                  <a:schemeClr val="tx1"/>
+                </a:solidFill>
+                <a:latin typeface="Arial" pitchFamily="34" charset="0"/>
+                <a:ea typeface="宋体" pitchFamily="2" charset="-122"/>
+              </a:defRPr>
+            </a:lvl7pPr>
+            <a:lvl8pPr marL="3429000" indent="-228600" eaLnBrk="0" fontAlgn="base" hangingPunct="0">
+              <a:spcBef>
+                <a:spcPct val="0"/>
+              </a:spcBef>
+              <a:spcAft>
+                <a:spcPct val="0"/>
+              </a:spcAft>
+              <a:defRPr>
+                <a:solidFill>
+                  <a:schemeClr val="tx1"/>
+                </a:solidFill>
+                <a:latin typeface="Arial" pitchFamily="34" charset="0"/>
+                <a:ea typeface="宋体" pitchFamily="2" charset="-122"/>
+              </a:defRPr>
+            </a:lvl8pPr>
+            <a:lvl9pPr marL="3886200" indent="-228600" eaLnBrk="0" fontAlgn="base" hangingPunct="0">
+              <a:spcBef>
+                <a:spcPct val="0"/>
+              </a:spcBef>
+              <a:spcAft>
+                <a:spcPct val="0"/>
+              </a:spcAft>
+              <a:defRPr>
+                <a:solidFill>
+                  <a:schemeClr val="tx1"/>
+                </a:solidFill>
+                <a:latin typeface="Arial" pitchFamily="34" charset="0"/>
+                <a:ea typeface="宋体" pitchFamily="2" charset="-122"/>
+              </a:defRPr>
+            </a:lvl9pPr>
+          </a:lstStyle>
+          <a:p>
+            <a:pPr>
+              <a:lnSpc>
+                <a:spcPct val="150000"/>
+              </a:lnSpc>
+            </a:pPr>
+            <a:r>
+              <a:rPr lang="zh-CN" altLang="zh-CN" dirty="0" smtClean="0">
+                <a:latin typeface="Times New Roman" pitchFamily="18" charset="0"/>
+                <a:cs typeface="Times New Roman" pitchFamily="18" charset="0"/>
+              </a:rPr>
+              <a:t>定义视图</a:t>
+            </a:r>
+            <a:r>
+              <a:rPr lang="zh-CN" altLang="zh-CN" dirty="0">
+                <a:latin typeface="Times New Roman" pitchFamily="18" charset="0"/>
+                <a:cs typeface="Times New Roman" pitchFamily="18" charset="0"/>
+              </a:rPr>
+              <a:t>解析器，并设置了视图的前缀和后缀属性。这样设置后，方法中所定义的</a:t>
+            </a:r>
+            <a:r>
+              <a:rPr lang="en-US" altLang="zh-CN" dirty="0">
+                <a:latin typeface="Times New Roman" pitchFamily="18" charset="0"/>
+                <a:cs typeface="Times New Roman" pitchFamily="18" charset="0"/>
+              </a:rPr>
+              <a:t>view</a:t>
+            </a:r>
+            <a:r>
+              <a:rPr lang="zh-CN" altLang="zh-CN" dirty="0">
+                <a:latin typeface="Times New Roman" pitchFamily="18" charset="0"/>
+                <a:cs typeface="Times New Roman" pitchFamily="18" charset="0"/>
+              </a:rPr>
+              <a:t>路径将可以简化</a:t>
+            </a:r>
+            <a:r>
+              <a:rPr lang="zh-CN" altLang="zh-CN" dirty="0" smtClean="0">
+                <a:latin typeface="Times New Roman" pitchFamily="18" charset="0"/>
+                <a:cs typeface="Times New Roman" pitchFamily="18" charset="0"/>
+              </a:rPr>
+              <a:t>。案例</a:t>
+            </a:r>
+            <a:r>
+              <a:rPr lang="zh-CN" altLang="zh-CN" dirty="0">
+                <a:latin typeface="Times New Roman" pitchFamily="18" charset="0"/>
+                <a:cs typeface="Times New Roman" pitchFamily="18" charset="0"/>
+              </a:rPr>
+              <a:t>中的逻辑视图名只需设置为</a:t>
+            </a:r>
+            <a:r>
+              <a:rPr lang="zh-CN" altLang="zh-CN" dirty="0" smtClean="0">
+                <a:latin typeface="Times New Roman" pitchFamily="18" charset="0"/>
+                <a:cs typeface="Times New Roman" pitchFamily="18" charset="0"/>
+              </a:rPr>
+              <a:t>“</a:t>
+            </a:r>
+            <a:r>
+              <a:rPr lang="en-US" altLang="zh-CN" dirty="0">
+                <a:latin typeface="Times New Roman" pitchFamily="18" charset="0"/>
+                <a:cs typeface="Times New Roman" pitchFamily="18" charset="0"/>
+              </a:rPr>
+              <a:t>success</a:t>
+            </a:r>
+            <a:r>
+              <a:rPr lang="zh-CN" altLang="zh-CN" dirty="0" smtClean="0">
+                <a:latin typeface="Times New Roman" pitchFamily="18" charset="0"/>
+                <a:cs typeface="Times New Roman" pitchFamily="18" charset="0"/>
+              </a:rPr>
+              <a:t>”</a:t>
+            </a:r>
+            <a:r>
+              <a:rPr lang="zh-CN" altLang="zh-CN" dirty="0">
+                <a:latin typeface="Times New Roman" pitchFamily="18" charset="0"/>
+                <a:cs typeface="Times New Roman" pitchFamily="18" charset="0"/>
+              </a:rPr>
+              <a:t>，而不再需要设置为“</a:t>
+            </a:r>
+            <a:r>
+              <a:rPr lang="en-US" altLang="zh-CN" dirty="0">
+                <a:latin typeface="Times New Roman" pitchFamily="18" charset="0"/>
+                <a:cs typeface="Times New Roman" pitchFamily="18" charset="0"/>
+              </a:rPr>
+              <a:t>/</a:t>
+            </a:r>
+            <a:r>
+              <a:rPr lang="en-US" altLang="zh-CN" dirty="0" smtClean="0">
+                <a:latin typeface="Times New Roman" pitchFamily="18" charset="0"/>
+                <a:cs typeface="Times New Roman" pitchFamily="18" charset="0"/>
+              </a:rPr>
+              <a:t>WEB-INF/</a:t>
+            </a:r>
+            <a:r>
+              <a:rPr lang="en-US" altLang="zh-CN" dirty="0" err="1" smtClean="0">
+                <a:latin typeface="Times New Roman" pitchFamily="18" charset="0"/>
+                <a:cs typeface="Times New Roman" pitchFamily="18" charset="0"/>
+              </a:rPr>
+              <a:t>jsp</a:t>
+            </a:r>
+            <a:r>
+              <a:rPr lang="en-US" altLang="zh-CN" dirty="0" smtClean="0">
+                <a:latin typeface="Times New Roman" pitchFamily="18" charset="0"/>
+                <a:cs typeface="Times New Roman" pitchFamily="18" charset="0"/>
+              </a:rPr>
+              <a:t>/</a:t>
+            </a:r>
+            <a:r>
+              <a:rPr lang="en-US" altLang="zh-CN" dirty="0" err="1">
+                <a:latin typeface="Times New Roman" pitchFamily="18" charset="0"/>
+                <a:cs typeface="Times New Roman" pitchFamily="18" charset="0"/>
+              </a:rPr>
+              <a:t>success</a:t>
+            </a:r>
+            <a:r>
+              <a:rPr lang="en-US" altLang="zh-CN" dirty="0" err="1" smtClean="0">
+                <a:latin typeface="Times New Roman" pitchFamily="18" charset="0"/>
+                <a:cs typeface="Times New Roman" pitchFamily="18" charset="0"/>
+              </a:rPr>
+              <a:t>.jsp</a:t>
+            </a:r>
+            <a:r>
+              <a:rPr lang="zh-CN" altLang="zh-CN" dirty="0">
+                <a:latin typeface="Times New Roman" pitchFamily="18" charset="0"/>
+                <a:cs typeface="Times New Roman" pitchFamily="18" charset="0"/>
+              </a:rPr>
+              <a:t>”，在访问时视图解析器会自动的增加前缀和后缀。</a:t>
+            </a:r>
+          </a:p>
+        </p:txBody>
+      </p:sp>
     </p:spTree>
   </p:cSld>
   <p:clrMapOvr>
@@ -27770,9 +28019,88 @@
   <p:timing>
     <p:tnLst>
       <p:par>
-        <p:cTn id="1" dur="indefinite" restart="never" nodeType="tmRoot"/>
+        <p:cTn id="1" dur="indefinite" restart="never" nodeType="tmRoot">
+          <p:childTnLst>
+            <p:seq concurrent="1" nextAc="seek">
+              <p:cTn id="2" dur="indefinite" nodeType="mainSeq">
+                <p:childTnLst>
+                  <p:par>
+                    <p:cTn id="3" fill="hold">
+                      <p:stCondLst>
+                        <p:cond delay="indefinite"/>
+                      </p:stCondLst>
+                      <p:childTnLst>
+                        <p:par>
+                          <p:cTn id="4" fill="hold">
+                            <p:stCondLst>
+                              <p:cond delay="0"/>
+                            </p:stCondLst>
+                            <p:childTnLst>
+                              <p:par>
+                                <p:cTn id="5" presetID="16" presetClass="entr" presetSubtype="21" fill="hold" grpId="0" nodeType="clickEffect">
+                                  <p:stCondLst>
+                                    <p:cond delay="0"/>
+                                  </p:stCondLst>
+                                  <p:childTnLst>
+                                    <p:set>
+                                      <p:cBhvr>
+                                        <p:cTn id="6" dur="1" fill="hold">
+                                          <p:stCondLst>
+                                            <p:cond delay="0"/>
+                                          </p:stCondLst>
+                                        </p:cTn>
+                                        <p:tgtEl>
+                                          <p:spTgt spid="7"/>
+                                        </p:tgtEl>
+                                        <p:attrNameLst>
+                                          <p:attrName>style.visibility</p:attrName>
+                                        </p:attrNameLst>
+                                      </p:cBhvr>
+                                      <p:to>
+                                        <p:strVal val="visible"/>
+                                      </p:to>
+                                    </p:set>
+                                    <p:animEffect transition="in" filter="barn(inVertical)">
+                                      <p:cBhvr>
+                                        <p:cTn id="7" dur="500"/>
+                                        <p:tgtEl>
+                                          <p:spTgt spid="7"/>
+                                        </p:tgtEl>
+                                      </p:cBhvr>
+                                    </p:animEffect>
+                                  </p:childTnLst>
+                                </p:cTn>
+                              </p:par>
+                            </p:childTnLst>
+                          </p:cTn>
+                        </p:par>
+                      </p:childTnLst>
+                    </p:cTn>
+                  </p:par>
+                </p:childTnLst>
+              </p:cTn>
+              <p:prevCondLst>
+                <p:cond evt="onPrev" delay="0">
+                  <p:tgtEl>
+                    <p:sldTgt/>
+                  </p:tgtEl>
+                </p:cond>
+              </p:prevCondLst>
+              <p:nextCondLst>
+                <p:cond evt="onNext" delay="0">
+                  <p:tgtEl>
+                    <p:sldTgt/>
+                  </p:tgtEl>
+                </p:cond>
+              </p:nextCondLst>
+            </p:seq>
+          </p:childTnLst>
+        </p:cTn>
       </p:par>
     </p:tnLst>
+    <p:bldLst>
+      <p:bldP spid="7" grpId="0" animBg="1"/>
+    </p:bldLst>
   </p:timing>
 </p:sld>
 </file>
@@ -31142,7 +31470,7 @@
                 <a:ea typeface="微软雅黑" panose="020B0503020204020204" pitchFamily="34" charset="-122"/>
                 <a:cs typeface="+mn-ea"/>
               </a:rPr>
-              <a:t>WEB</a:t>
+              <a:t>WEB-INF</a:t>
             </a:r>
             <a:r>
               <a:rPr lang="zh-CN" altLang="en-US" dirty="0" smtClean="0">
@@ -34008,14 +34336,7 @@
                 <a:latin typeface="Times New Roman" pitchFamily="18" charset="0"/>
                 <a:cs typeface="Times New Roman" pitchFamily="18" charset="0"/>
               </a:rPr>
-              <a:t>工作</a:t>
-            </a:r>
-            <a:r>
-              <a:rPr lang="zh-CN" altLang="en-US" dirty="0">
-                <a:latin typeface="Times New Roman" pitchFamily="18" charset="0"/>
-                <a:cs typeface="Times New Roman" pitchFamily="18" charset="0"/>
-              </a:rPr>
-              <a:t>主要集中在</a:t>
+              <a:t>工作主要集中在</a:t>
             </a:r>
             <a:r>
               <a:rPr lang="zh-CN" altLang="en-US" dirty="0">
